--- a/Modul_5_DataSources/DataSources.pptx
+++ b/Modul_5_DataSources/DataSources.pptx
@@ -5,16 +5,17 @@
     <p:sldMasterId id="2147483648" r:id="rId1"/>
   </p:sldMasterIdLst>
   <p:notesMasterIdLst>
-    <p:notesMasterId r:id="rId9"/>
+    <p:notesMasterId r:id="rId10"/>
   </p:notesMasterIdLst>
   <p:sldIdLst>
     <p:sldId id="257" r:id="rId2"/>
     <p:sldId id="260" r:id="rId3"/>
-    <p:sldId id="262" r:id="rId4"/>
-    <p:sldId id="263" r:id="rId5"/>
-    <p:sldId id="258" r:id="rId6"/>
-    <p:sldId id="259" r:id="rId7"/>
-    <p:sldId id="261" r:id="rId8"/>
+    <p:sldId id="264" r:id="rId4"/>
+    <p:sldId id="262" r:id="rId5"/>
+    <p:sldId id="263" r:id="rId6"/>
+    <p:sldId id="258" r:id="rId7"/>
+    <p:sldId id="259" r:id="rId8"/>
+    <p:sldId id="261" r:id="rId9"/>
   </p:sldIdLst>
   <p:sldSz cx="12192000" cy="6858000"/>
   <p:notesSz cx="6858000" cy="9144000"/>
@@ -713,7 +714,7 @@
     </p:spTree>
     <p:extLst>
       <p:ext uri="{BB962C8B-B14F-4D97-AF65-F5344CB8AC3E}">
-        <p14:creationId xmlns:p14="http://schemas.microsoft.com/office/powerpoint/2010/main" val="3055784349"/>
+        <p14:creationId xmlns:p14="http://schemas.microsoft.com/office/powerpoint/2010/main" val="3780080284"/>
       </p:ext>
     </p:extLst>
   </p:cSld>
@@ -797,7 +798,7 @@
     </p:spTree>
     <p:extLst>
       <p:ext uri="{BB962C8B-B14F-4D97-AF65-F5344CB8AC3E}">
-        <p14:creationId xmlns:p14="http://schemas.microsoft.com/office/powerpoint/2010/main" val="2108334115"/>
+        <p14:creationId xmlns:p14="http://schemas.microsoft.com/office/powerpoint/2010/main" val="3055784349"/>
       </p:ext>
     </p:extLst>
   </p:cSld>
@@ -881,7 +882,7 @@
     </p:spTree>
     <p:extLst>
       <p:ext uri="{BB962C8B-B14F-4D97-AF65-F5344CB8AC3E}">
-        <p14:creationId xmlns:p14="http://schemas.microsoft.com/office/powerpoint/2010/main" val="4136440388"/>
+        <p14:creationId xmlns:p14="http://schemas.microsoft.com/office/powerpoint/2010/main" val="2108334115"/>
       </p:ext>
     </p:extLst>
   </p:cSld>
@@ -956,7 +957,91 @@
           <a:p>
             <a:fld id="{E58C7EAB-645A-4FBB-B6AF-831236EEB6FB}" type="slidenum">
               <a:rPr lang="de-DE" smtClean="0"/>
-              <a:t>7</a:t>
+              <a:t>6</a:t>
+            </a:fld>
+            <a:endParaRPr lang="de-DE"/>
+          </a:p>
+        </p:txBody>
+      </p:sp>
+    </p:spTree>
+    <p:extLst>
+      <p:ext uri="{BB962C8B-B14F-4D97-AF65-F5344CB8AC3E}">
+        <p14:creationId xmlns:p14="http://schemas.microsoft.com/office/powerpoint/2010/main" val="4136440388"/>
+      </p:ext>
+    </p:extLst>
+  </p:cSld>
+  <p:clrMapOvr>
+    <a:masterClrMapping/>
+  </p:clrMapOvr>
+</p:notes>
+</file>
+
+<file path=ppt/notesSlides/notesSlide7.xml><?xml version="1.0" encoding="utf-8"?>
+<p:notes xmlns:a="http://schemas.openxmlformats.org/drawingml/2006/main" xmlns:r="http://schemas.openxmlformats.org/officeDocument/2006/relationships" xmlns:p="http://schemas.openxmlformats.org/presentationml/2006/main">
+  <p:cSld>
+    <p:spTree>
+      <p:nvGrpSpPr>
+        <p:cNvPr id="1" name=""/>
+        <p:cNvGrpSpPr/>
+        <p:nvPr/>
+      </p:nvGrpSpPr>
+      <p:grpSpPr>
+        <a:xfrm>
+          <a:off x="0" y="0"/>
+          <a:ext cx="0" cy="0"/>
+          <a:chOff x="0" y="0"/>
+          <a:chExt cx="0" cy="0"/>
+        </a:xfrm>
+      </p:grpSpPr>
+      <p:sp>
+        <p:nvSpPr>
+          <p:cNvPr id="2" name="Folienbildplatzhalter 1"/>
+          <p:cNvSpPr>
+            <a:spLocks noGrp="1" noRot="1" noChangeAspect="1"/>
+          </p:cNvSpPr>
+          <p:nvPr>
+            <p:ph type="sldImg"/>
+          </p:nvPr>
+        </p:nvSpPr>
+        <p:spPr/>
+      </p:sp>
+      <p:sp>
+        <p:nvSpPr>
+          <p:cNvPr id="3" name="Notizenplatzhalter 2"/>
+          <p:cNvSpPr>
+            <a:spLocks noGrp="1"/>
+          </p:cNvSpPr>
+          <p:nvPr>
+            <p:ph type="body" idx="1"/>
+          </p:nvPr>
+        </p:nvSpPr>
+        <p:spPr/>
+        <p:txBody>
+          <a:bodyPr/>
+          <a:lstStyle/>
+          <a:p>
+            <a:endParaRPr lang="de-DE" dirty="0"/>
+          </a:p>
+        </p:txBody>
+      </p:sp>
+      <p:sp>
+        <p:nvSpPr>
+          <p:cNvPr id="4" name="Foliennummernplatzhalter 3"/>
+          <p:cNvSpPr>
+            <a:spLocks noGrp="1"/>
+          </p:cNvSpPr>
+          <p:nvPr>
+            <p:ph type="sldNum" sz="quarter" idx="10"/>
+          </p:nvPr>
+        </p:nvSpPr>
+        <p:spPr/>
+        <p:txBody>
+          <a:bodyPr/>
+          <a:lstStyle/>
+          <a:p>
+            <a:fld id="{E58C7EAB-645A-4FBB-B6AF-831236EEB6FB}" type="slidenum">
+              <a:rPr lang="de-DE" smtClean="0"/>
+              <a:t>8</a:t>
             </a:fld>
             <a:endParaRPr lang="de-DE"/>
           </a:p>
@@ -3895,11 +3980,7 @@
             </a:pPr>
             <a:r>
               <a:rPr lang="de-DE" dirty="0" smtClean="0"/>
-              <a:t>Werden wie auch die gemanagten Ressourcen von Providern </a:t>
-            </a:r>
-            <a:r>
-              <a:rPr lang="de-DE" dirty="0" smtClean="0"/>
-              <a:t>bereitgestellt</a:t>
+              <a:t>Werden wie auch die gemanagten Ressourcen von Providern bereitgestellt</a:t>
             </a:r>
           </a:p>
           <a:p>
@@ -3911,7 +3992,6 @@
               <a:rPr lang="de-DE" dirty="0" smtClean="0"/>
               <a:t>Können verwendet werden um auf Informationen des aktuellen States zuzugreifen</a:t>
             </a:r>
-            <a:endParaRPr lang="de-DE" dirty="0" smtClean="0"/>
           </a:p>
         </p:txBody>
       </p:sp>
@@ -4039,11 +4119,7 @@
             </a:r>
             <a:r>
               <a:rPr lang="de-DE" dirty="0" smtClean="0"/>
-              <a:t>-Operation </a:t>
-            </a:r>
-            <a:r>
-              <a:rPr lang="de-DE" dirty="0" smtClean="0"/>
-              <a:t>erfolgen, nachdem die angegebene Ressource erstellt/aktualisiert wurde</a:t>
+              <a:t>-Operation erfolgen, nachdem die angegebene Ressource erstellt/aktualisiert wurde</a:t>
             </a:r>
           </a:p>
           <a:p>
@@ -4963,7 +5039,11 @@
           <a:p>
             <a:r>
               <a:rPr lang="de-DE" dirty="0" smtClean="0"/>
-              <a:t>External Data Source</a:t>
+              <a:t>http Data </a:t>
+            </a:r>
+            <a:r>
+              <a:rPr lang="de-DE" dirty="0" smtClean="0"/>
+              <a:t>Source</a:t>
             </a:r>
             <a:endParaRPr lang="de-DE" dirty="0"/>
           </a:p>
@@ -4995,88 +5075,22 @@
             </a:pPr>
             <a:r>
               <a:rPr lang="de-DE" dirty="0" smtClean="0"/>
-              <a:t>Erlaubt die Ausführung von externen Programmen um Daten verfügbar zu machen</a:t>
-            </a:r>
+              <a:t>Ermöglichen den Zugriff auf REST-APIs</a:t>
+            </a:r>
+            <a:endParaRPr lang="de-DE" dirty="0" smtClean="0"/>
+          </a:p>
+          <a:p>
+            <a:pPr marL="457200" lvl="1" indent="0">
+              <a:buNone/>
+            </a:pPr>
+            <a:endParaRPr lang="de-DE" dirty="0" smtClean="0"/>
           </a:p>
           <a:p>
             <a:pPr>
               <a:buFontTx/>
               <a:buChar char="-"/>
             </a:pPr>
-            <a:r>
-              <a:rPr lang="de-DE" dirty="0" smtClean="0"/>
-              <a:t>U.a. liegen fo</a:t>
-            </a:r>
-            <a:r>
-              <a:rPr lang="de-DE" dirty="0" smtClean="0"/>
-              <a:t>lgende Regeln der Ausführung zu Grunde</a:t>
-            </a:r>
-          </a:p>
-          <a:p>
-            <a:pPr lvl="1">
-              <a:buFontTx/>
-              <a:buChar char="-"/>
-            </a:pPr>
-            <a:r>
-              <a:rPr lang="de-DE" dirty="0" smtClean="0"/>
-              <a:t>Input wird über das Attribut </a:t>
-            </a:r>
-            <a:r>
-              <a:rPr lang="de-DE" dirty="0" err="1" smtClean="0"/>
-              <a:t>query</a:t>
-            </a:r>
-            <a:r>
-              <a:rPr lang="de-DE" dirty="0" smtClean="0"/>
-              <a:t> als JSON übergeben und vom Programm via </a:t>
-            </a:r>
-            <a:r>
-              <a:rPr lang="de-DE" dirty="0" err="1" smtClean="0"/>
-              <a:t>stdin</a:t>
-            </a:r>
-            <a:r>
-              <a:rPr lang="de-DE" dirty="0" smtClean="0"/>
-              <a:t> eingelesen</a:t>
-            </a:r>
-          </a:p>
-          <a:p>
-            <a:pPr lvl="1">
-              <a:buFontTx/>
-              <a:buChar char="-"/>
-            </a:pPr>
-            <a:r>
-              <a:rPr lang="de-DE" dirty="0" smtClean="0"/>
-              <a:t>Der Output des Programms wird via </a:t>
-            </a:r>
-            <a:r>
-              <a:rPr lang="de-DE" dirty="0" err="1" smtClean="0"/>
-              <a:t>stout</a:t>
-            </a:r>
-            <a:r>
-              <a:rPr lang="de-DE" dirty="0" smtClean="0"/>
-              <a:t> als JSON ausgegeben und kann über das Attribut „</a:t>
-            </a:r>
-            <a:r>
-              <a:rPr lang="de-DE" dirty="0" err="1" smtClean="0"/>
-              <a:t>result</a:t>
-            </a:r>
-            <a:r>
-              <a:rPr lang="de-DE" dirty="0" smtClean="0"/>
-              <a:t>“ der Data-Source zugegriffen werden</a:t>
-            </a:r>
-          </a:p>
-          <a:p>
-            <a:pPr lvl="1">
-              <a:buFontTx/>
-              <a:buChar char="-"/>
-            </a:pPr>
-            <a:r>
-              <a:rPr lang="de-DE" dirty="0" smtClean="0"/>
-              <a:t>Terminierung des Programms im Erfolgsfall mit  Statuscode </a:t>
-            </a:r>
-            <a:r>
-              <a:rPr lang="de-DE" dirty="0" smtClean="0"/>
-              <a:t>0</a:t>
-            </a:r>
+            <a:endParaRPr lang="de-DE" dirty="0" smtClean="0"/>
           </a:p>
           <a:p>
             <a:pPr lvl="1">
@@ -5085,42 +5099,506 @@
             </a:pPr>
             <a:endParaRPr lang="de-DE" dirty="0" smtClean="0"/>
           </a:p>
-          <a:p>
-            <a:pPr>
+        </p:txBody>
+      </p:sp>
+      <p:sp>
+        <p:nvSpPr>
+          <p:cNvPr id="4" name="Rectangle 1"/>
+          <p:cNvSpPr>
+            <a:spLocks noChangeArrowheads="1"/>
+          </p:cNvSpPr>
+          <p:nvPr/>
+        </p:nvSpPr>
+        <p:spPr bwMode="auto">
+          <a:xfrm>
+            <a:off x="1913466" y="3255373"/>
+            <a:ext cx="7382934" cy="1938992"/>
+          </a:xfrm>
+          <a:prstGeom prst="rect">
+            <a:avLst/>
+          </a:prstGeom>
+          <a:solidFill>
+            <a:srgbClr val="282C34"/>
+          </a:solidFill>
+          <a:ln>
+            <a:noFill/>
+          </a:ln>
+          <a:effectLst/>
+          <a:extLst>
+            <a:ext uri="{91240B29-F687-4F45-9708-019B960494DF}">
+              <a14:hiddenLine xmlns:a14="http://schemas.microsoft.com/office/drawing/2010/main" w="9525">
+                <a:solidFill>
+                  <a:schemeClr val="tx1"/>
+                </a:solidFill>
+                <a:miter lim="800000"/>
+                <a:headEnd/>
+                <a:tailEnd/>
+              </a14:hiddenLine>
+            </a:ext>
+            <a:ext uri="{AF507438-7753-43E0-B8FC-AC1667EBCBE1}">
+              <a14:hiddenEffects xmlns:a14="http://schemas.microsoft.com/office/drawing/2010/main">
+                <a:effectLst>
+                  <a:outerShdw dist="35921" dir="2700000" algn="ctr" rotWithShape="0">
+                    <a:schemeClr val="bg2"/>
+                  </a:outerShdw>
+                </a:effectLst>
+              </a14:hiddenEffects>
+            </a:ext>
+          </a:extLst>
+        </p:spPr>
+        <p:txBody>
+          <a:bodyPr vert="horz" wrap="square" lIns="91440" tIns="45720" rIns="91440" bIns="45720" numCol="1" anchor="ctr" anchorCtr="0" compatLnSpc="1">
+            <a:prstTxWarp prst="textNoShape">
+              <a:avLst/>
+            </a:prstTxWarp>
+            <a:spAutoFit/>
+          </a:bodyPr>
+          <a:lstStyle/>
+          <a:p>
+            <a:pPr marL="0" marR="0" lvl="0" indent="0" algn="l" defTabSz="914400" rtl="0" eaLnBrk="0" fontAlgn="base" latinLnBrk="0" hangingPunct="0">
+              <a:lnSpc>
+                <a:spcPct val="100000"/>
+              </a:lnSpc>
+              <a:spcBef>
+                <a:spcPct val="0"/>
+              </a:spcBef>
+              <a:spcAft>
+                <a:spcPct val="0"/>
+              </a:spcAft>
+              <a:buClrTx/>
+              <a:buSzTx/>
               <a:buFontTx/>
-              <a:buChar char="-"/>
+              <a:buNone/>
+              <a:tabLst/>
             </a:pPr>
             <a:r>
-              <a:rPr lang="de-DE" dirty="0" smtClean="0"/>
-              <a:t>Ausführung erfolgt bei jedem Refresh des Terraform-State</a:t>
-            </a:r>
-          </a:p>
-          <a:p>
-            <a:pPr marL="457200" lvl="1" indent="0">
-              <a:buNone/>
-            </a:pPr>
-            <a:endParaRPr lang="de-DE" dirty="0" smtClean="0"/>
-          </a:p>
-          <a:p>
-            <a:pPr>
-              <a:buFontTx/>
-              <a:buChar char="-"/>
-            </a:pPr>
-            <a:endParaRPr lang="de-DE" dirty="0" smtClean="0"/>
-          </a:p>
-          <a:p>
-            <a:pPr lvl="1">
-              <a:buFontTx/>
-              <a:buChar char="-"/>
-            </a:pPr>
-            <a:endParaRPr lang="de-DE" dirty="0" smtClean="0"/>
+              <a:rPr kumimoji="0" lang="de-DE" altLang="de-DE" sz="2000" b="0" i="1" u="none" strike="noStrike" cap="none" normalizeH="0" baseline="0" dirty="0" err="1" smtClean="0">
+                <a:ln>
+                  <a:noFill/>
+                </a:ln>
+                <a:solidFill>
+                  <a:srgbClr val="D55FDE"/>
+                </a:solidFill>
+                <a:effectLst/>
+                <a:latin typeface="JetBrains Mono"/>
+              </a:rPr>
+              <a:t>data</a:t>
+            </a:r>
+            <a:r>
+              <a:rPr kumimoji="0" lang="de-DE" altLang="de-DE" sz="2000" b="0" i="1" u="none" strike="noStrike" cap="none" normalizeH="0" baseline="0" dirty="0" smtClean="0">
+                <a:ln>
+                  <a:noFill/>
+                </a:ln>
+                <a:solidFill>
+                  <a:srgbClr val="D55FDE"/>
+                </a:solidFill>
+                <a:effectLst/>
+                <a:latin typeface="JetBrains Mono"/>
+              </a:rPr>
+              <a:t> </a:t>
+            </a:r>
+            <a:r>
+              <a:rPr kumimoji="0" lang="de-DE" altLang="de-DE" sz="2000" b="0" i="0" u="none" strike="noStrike" cap="none" normalizeH="0" baseline="0" dirty="0" smtClean="0">
+                <a:ln>
+                  <a:noFill/>
+                </a:ln>
+                <a:solidFill>
+                  <a:srgbClr val="E5C07B"/>
+                </a:solidFill>
+                <a:effectLst/>
+                <a:latin typeface="JetBrains Mono"/>
+              </a:rPr>
+              <a:t>"http" "</a:t>
+            </a:r>
+            <a:r>
+              <a:rPr kumimoji="0" lang="de-DE" altLang="de-DE" sz="2000" b="0" i="0" u="none" strike="noStrike" cap="none" normalizeH="0" baseline="0" dirty="0" err="1" smtClean="0">
+                <a:ln>
+                  <a:noFill/>
+                </a:ln>
+                <a:solidFill>
+                  <a:srgbClr val="E5C07B"/>
+                </a:solidFill>
+                <a:effectLst/>
+                <a:latin typeface="JetBrains Mono"/>
+              </a:rPr>
+              <a:t>holidays</a:t>
+            </a:r>
+            <a:r>
+              <a:rPr kumimoji="0" lang="de-DE" altLang="de-DE" sz="2000" b="0" i="0" u="none" strike="noStrike" cap="none" normalizeH="0" baseline="0" dirty="0" smtClean="0">
+                <a:ln>
+                  <a:noFill/>
+                </a:ln>
+                <a:solidFill>
+                  <a:srgbClr val="E5C07B"/>
+                </a:solidFill>
+                <a:effectLst/>
+                <a:latin typeface="JetBrains Mono"/>
+              </a:rPr>
+              <a:t>" </a:t>
+            </a:r>
+            <a:r>
+              <a:rPr kumimoji="0" lang="de-DE" altLang="de-DE" sz="2000" b="0" i="0" u="none" strike="noStrike" cap="none" normalizeH="0" baseline="0" dirty="0" smtClean="0">
+                <a:ln>
+                  <a:noFill/>
+                </a:ln>
+                <a:solidFill>
+                  <a:srgbClr val="BBBBBB"/>
+                </a:solidFill>
+                <a:effectLst/>
+                <a:latin typeface="JetBrains Mono"/>
+              </a:rPr>
+              <a:t>{</a:t>
+            </a:r>
+            <a:br>
+              <a:rPr kumimoji="0" lang="de-DE" altLang="de-DE" sz="2000" b="0" i="0" u="none" strike="noStrike" cap="none" normalizeH="0" baseline="0" dirty="0" smtClean="0">
+                <a:ln>
+                  <a:noFill/>
+                </a:ln>
+                <a:solidFill>
+                  <a:srgbClr val="BBBBBB"/>
+                </a:solidFill>
+                <a:effectLst/>
+                <a:latin typeface="JetBrains Mono"/>
+              </a:rPr>
+            </a:br>
+            <a:r>
+              <a:rPr kumimoji="0" lang="de-DE" altLang="de-DE" sz="2000" b="0" i="0" u="none" strike="noStrike" cap="none" normalizeH="0" baseline="0" dirty="0" smtClean="0">
+                <a:ln>
+                  <a:noFill/>
+                </a:ln>
+                <a:solidFill>
+                  <a:srgbClr val="BBBBBB"/>
+                </a:solidFill>
+                <a:effectLst/>
+                <a:latin typeface="JetBrains Mono"/>
+              </a:rPr>
+              <a:t>  </a:t>
+            </a:r>
+            <a:r>
+              <a:rPr kumimoji="0" lang="de-DE" altLang="de-DE" sz="2000" b="0" i="0" u="none" strike="noStrike" cap="none" normalizeH="0" baseline="0" dirty="0" err="1" smtClean="0">
+                <a:ln>
+                  <a:noFill/>
+                </a:ln>
+                <a:solidFill>
+                  <a:srgbClr val="EF596F"/>
+                </a:solidFill>
+                <a:effectLst/>
+                <a:latin typeface="JetBrains Mono"/>
+              </a:rPr>
+              <a:t>url</a:t>
+            </a:r>
+            <a:r>
+              <a:rPr kumimoji="0" lang="de-DE" altLang="de-DE" sz="2000" b="0" i="0" u="none" strike="noStrike" cap="none" normalizeH="0" baseline="0" dirty="0" smtClean="0">
+                <a:ln>
+                  <a:noFill/>
+                </a:ln>
+                <a:solidFill>
+                  <a:srgbClr val="EF596F"/>
+                </a:solidFill>
+                <a:effectLst/>
+                <a:latin typeface="JetBrains Mono"/>
+              </a:rPr>
+              <a:t>             </a:t>
+            </a:r>
+            <a:r>
+              <a:rPr kumimoji="0" lang="de-DE" altLang="de-DE" sz="2000" b="0" i="0" u="none" strike="noStrike" cap="none" normalizeH="0" baseline="0" dirty="0" smtClean="0">
+                <a:ln>
+                  <a:noFill/>
+                </a:ln>
+                <a:solidFill>
+                  <a:srgbClr val="BBBBBB"/>
+                </a:solidFill>
+                <a:effectLst/>
+                <a:latin typeface="JetBrains Mono"/>
+              </a:rPr>
+              <a:t>= </a:t>
+            </a:r>
+            <a:r>
+              <a:rPr kumimoji="0" lang="de-DE" altLang="de-DE" sz="2000" b="0" i="0" u="none" strike="noStrike" cap="none" normalizeH="0" baseline="0" dirty="0" smtClean="0">
+                <a:ln>
+                  <a:noFill/>
+                </a:ln>
+                <a:solidFill>
+                  <a:srgbClr val="89CA78"/>
+                </a:solidFill>
+                <a:effectLst/>
+                <a:latin typeface="JetBrains Mono"/>
+              </a:rPr>
+              <a:t>"https://get.api-feiertage.de/"</a:t>
+            </a:r>
+            <a:br>
+              <a:rPr kumimoji="0" lang="de-DE" altLang="de-DE" sz="2000" b="0" i="0" u="none" strike="noStrike" cap="none" normalizeH="0" baseline="0" dirty="0" smtClean="0">
+                <a:ln>
+                  <a:noFill/>
+                </a:ln>
+                <a:solidFill>
+                  <a:srgbClr val="89CA78"/>
+                </a:solidFill>
+                <a:effectLst/>
+                <a:latin typeface="JetBrains Mono"/>
+              </a:rPr>
+            </a:br>
+            <a:r>
+              <a:rPr kumimoji="0" lang="de-DE" altLang="de-DE" sz="2000" b="0" i="0" u="none" strike="noStrike" cap="none" normalizeH="0" baseline="0" dirty="0" smtClean="0">
+                <a:ln>
+                  <a:noFill/>
+                </a:ln>
+                <a:solidFill>
+                  <a:srgbClr val="89CA78"/>
+                </a:solidFill>
+                <a:effectLst/>
+                <a:latin typeface="JetBrains Mono"/>
+              </a:rPr>
+              <a:t>  </a:t>
+            </a:r>
+            <a:r>
+              <a:rPr kumimoji="0" lang="de-DE" altLang="de-DE" sz="2000" b="0" i="0" u="none" strike="noStrike" cap="none" normalizeH="0" baseline="0" dirty="0" err="1" smtClean="0">
+                <a:ln>
+                  <a:noFill/>
+                </a:ln>
+                <a:solidFill>
+                  <a:srgbClr val="EF596F"/>
+                </a:solidFill>
+                <a:effectLst/>
+                <a:latin typeface="JetBrains Mono"/>
+              </a:rPr>
+              <a:t>request_headers</a:t>
+            </a:r>
+            <a:r>
+              <a:rPr kumimoji="0" lang="de-DE" altLang="de-DE" sz="2000" b="0" i="0" u="none" strike="noStrike" cap="none" normalizeH="0" baseline="0" dirty="0" smtClean="0">
+                <a:ln>
+                  <a:noFill/>
+                </a:ln>
+                <a:solidFill>
+                  <a:srgbClr val="EF596F"/>
+                </a:solidFill>
+                <a:effectLst/>
+                <a:latin typeface="JetBrains Mono"/>
+              </a:rPr>
+              <a:t> </a:t>
+            </a:r>
+            <a:r>
+              <a:rPr kumimoji="0" lang="de-DE" altLang="de-DE" sz="2000" b="0" i="0" u="none" strike="noStrike" cap="none" normalizeH="0" baseline="0" dirty="0" smtClean="0">
+                <a:ln>
+                  <a:noFill/>
+                </a:ln>
+                <a:solidFill>
+                  <a:srgbClr val="BBBBBB"/>
+                </a:solidFill>
+                <a:effectLst/>
+                <a:latin typeface="JetBrains Mono"/>
+              </a:rPr>
+              <a:t>= {</a:t>
+            </a:r>
+            <a:br>
+              <a:rPr kumimoji="0" lang="de-DE" altLang="de-DE" sz="2000" b="0" i="0" u="none" strike="noStrike" cap="none" normalizeH="0" baseline="0" dirty="0" smtClean="0">
+                <a:ln>
+                  <a:noFill/>
+                </a:ln>
+                <a:solidFill>
+                  <a:srgbClr val="BBBBBB"/>
+                </a:solidFill>
+                <a:effectLst/>
+                <a:latin typeface="JetBrains Mono"/>
+              </a:rPr>
+            </a:br>
+            <a:r>
+              <a:rPr kumimoji="0" lang="de-DE" altLang="de-DE" sz="2000" b="0" i="0" u="none" strike="noStrike" cap="none" normalizeH="0" baseline="0" dirty="0" smtClean="0">
+                <a:ln>
+                  <a:noFill/>
+                </a:ln>
+                <a:solidFill>
+                  <a:srgbClr val="BBBBBB"/>
+                </a:solidFill>
+                <a:effectLst/>
+                <a:latin typeface="JetBrains Mono"/>
+              </a:rPr>
+              <a:t>    </a:t>
+            </a:r>
+            <a:r>
+              <a:rPr kumimoji="0" lang="de-DE" altLang="de-DE" sz="2000" b="0" i="0" u="none" strike="noStrike" cap="none" normalizeH="0" baseline="0" dirty="0" err="1" smtClean="0">
+                <a:ln>
+                  <a:noFill/>
+                </a:ln>
+                <a:solidFill>
+                  <a:srgbClr val="EF596F"/>
+                </a:solidFill>
+                <a:effectLst/>
+                <a:latin typeface="JetBrains Mono"/>
+              </a:rPr>
+              <a:t>Accept</a:t>
+            </a:r>
+            <a:r>
+              <a:rPr kumimoji="0" lang="de-DE" altLang="de-DE" sz="2000" b="0" i="0" u="none" strike="noStrike" cap="none" normalizeH="0" baseline="0" dirty="0" smtClean="0">
+                <a:ln>
+                  <a:noFill/>
+                </a:ln>
+                <a:solidFill>
+                  <a:srgbClr val="EF596F"/>
+                </a:solidFill>
+                <a:effectLst/>
+                <a:latin typeface="JetBrains Mono"/>
+              </a:rPr>
+              <a:t>        </a:t>
+            </a:r>
+            <a:r>
+              <a:rPr kumimoji="0" lang="de-DE" altLang="de-DE" sz="2000" b="0" i="0" u="none" strike="noStrike" cap="none" normalizeH="0" baseline="0" dirty="0" smtClean="0">
+                <a:ln>
+                  <a:noFill/>
+                </a:ln>
+                <a:solidFill>
+                  <a:srgbClr val="BBBBBB"/>
+                </a:solidFill>
+                <a:effectLst/>
+                <a:latin typeface="JetBrains Mono"/>
+              </a:rPr>
+              <a:t>= </a:t>
+            </a:r>
+            <a:r>
+              <a:rPr kumimoji="0" lang="de-DE" altLang="de-DE" sz="2000" b="0" i="0" u="none" strike="noStrike" cap="none" normalizeH="0" baseline="0" dirty="0" smtClean="0">
+                <a:ln>
+                  <a:noFill/>
+                </a:ln>
+                <a:solidFill>
+                  <a:srgbClr val="89CA78"/>
+                </a:solidFill>
+                <a:effectLst/>
+                <a:latin typeface="JetBrains Mono"/>
+              </a:rPr>
+              <a:t>"</a:t>
+            </a:r>
+            <a:r>
+              <a:rPr kumimoji="0" lang="de-DE" altLang="de-DE" sz="2000" b="0" i="0" u="none" strike="noStrike" cap="none" normalizeH="0" baseline="0" dirty="0" err="1" smtClean="0">
+                <a:ln>
+                  <a:noFill/>
+                </a:ln>
+                <a:solidFill>
+                  <a:srgbClr val="89CA78"/>
+                </a:solidFill>
+                <a:effectLst/>
+                <a:latin typeface="JetBrains Mono"/>
+              </a:rPr>
+              <a:t>application</a:t>
+            </a:r>
+            <a:r>
+              <a:rPr kumimoji="0" lang="de-DE" altLang="de-DE" sz="2000" b="0" i="0" u="none" strike="noStrike" cap="none" normalizeH="0" baseline="0" dirty="0" smtClean="0">
+                <a:ln>
+                  <a:noFill/>
+                </a:ln>
+                <a:solidFill>
+                  <a:srgbClr val="89CA78"/>
+                </a:solidFill>
+                <a:effectLst/>
+                <a:latin typeface="JetBrains Mono"/>
+              </a:rPr>
+              <a:t>/</a:t>
+            </a:r>
+            <a:r>
+              <a:rPr kumimoji="0" lang="de-DE" altLang="de-DE" sz="2000" b="0" i="0" u="none" strike="noStrike" cap="none" normalizeH="0" baseline="0" dirty="0" err="1" smtClean="0">
+                <a:ln>
+                  <a:noFill/>
+                </a:ln>
+                <a:solidFill>
+                  <a:srgbClr val="89CA78"/>
+                </a:solidFill>
+                <a:effectLst/>
+                <a:latin typeface="JetBrains Mono"/>
+              </a:rPr>
+              <a:t>json</a:t>
+            </a:r>
+            <a:r>
+              <a:rPr kumimoji="0" lang="de-DE" altLang="de-DE" sz="2000" b="0" i="0" u="none" strike="noStrike" cap="none" normalizeH="0" baseline="0" dirty="0" smtClean="0">
+                <a:ln>
+                  <a:noFill/>
+                </a:ln>
+                <a:solidFill>
+                  <a:srgbClr val="89CA78"/>
+                </a:solidFill>
+                <a:effectLst/>
+                <a:latin typeface="JetBrains Mono"/>
+              </a:rPr>
+              <a:t>"</a:t>
+            </a:r>
+            <a:br>
+              <a:rPr kumimoji="0" lang="de-DE" altLang="de-DE" sz="2000" b="0" i="0" u="none" strike="noStrike" cap="none" normalizeH="0" baseline="0" dirty="0" smtClean="0">
+                <a:ln>
+                  <a:noFill/>
+                </a:ln>
+                <a:solidFill>
+                  <a:srgbClr val="89CA78"/>
+                </a:solidFill>
+                <a:effectLst/>
+                <a:latin typeface="JetBrains Mono"/>
+              </a:rPr>
+            </a:br>
+            <a:r>
+              <a:rPr kumimoji="0" lang="de-DE" altLang="de-DE" sz="2000" b="0" i="0" u="none" strike="noStrike" cap="none" normalizeH="0" baseline="0" dirty="0" smtClean="0">
+                <a:ln>
+                  <a:noFill/>
+                </a:ln>
+                <a:solidFill>
+                  <a:srgbClr val="89CA78"/>
+                </a:solidFill>
+                <a:effectLst/>
+                <a:latin typeface="JetBrains Mono"/>
+              </a:rPr>
+              <a:t>  </a:t>
+            </a:r>
+            <a:r>
+              <a:rPr kumimoji="0" lang="de-DE" altLang="de-DE" sz="2000" b="0" i="0" u="none" strike="noStrike" cap="none" normalizeH="0" baseline="0" dirty="0" smtClean="0">
+                <a:ln>
+                  <a:noFill/>
+                </a:ln>
+                <a:solidFill>
+                  <a:srgbClr val="BBBBBB"/>
+                </a:solidFill>
+                <a:effectLst/>
+                <a:latin typeface="JetBrains Mono"/>
+              </a:rPr>
+              <a:t>}</a:t>
+            </a:r>
+            <a:br>
+              <a:rPr kumimoji="0" lang="de-DE" altLang="de-DE" sz="2000" b="0" i="0" u="none" strike="noStrike" cap="none" normalizeH="0" baseline="0" dirty="0" smtClean="0">
+                <a:ln>
+                  <a:noFill/>
+                </a:ln>
+                <a:solidFill>
+                  <a:srgbClr val="BBBBBB"/>
+                </a:solidFill>
+                <a:effectLst/>
+                <a:latin typeface="JetBrains Mono"/>
+              </a:rPr>
+            </a:br>
+            <a:r>
+              <a:rPr kumimoji="0" lang="de-DE" altLang="de-DE" sz="2000" b="0" i="0" u="none" strike="noStrike" cap="none" normalizeH="0" baseline="0" dirty="0" smtClean="0">
+                <a:ln>
+                  <a:noFill/>
+                </a:ln>
+                <a:solidFill>
+                  <a:srgbClr val="BBBBBB"/>
+                </a:solidFill>
+                <a:effectLst/>
+                <a:latin typeface="JetBrains Mono"/>
+              </a:rPr>
+              <a:t>}</a:t>
+            </a:r>
+            <a:endParaRPr kumimoji="0" lang="de-DE" altLang="de-DE" sz="4400" b="0" i="0" u="none" strike="noStrike" cap="none" normalizeH="0" baseline="0" dirty="0" smtClean="0">
+              <a:ln>
+                <a:noFill/>
+              </a:ln>
+              <a:solidFill>
+                <a:schemeClr val="tx1"/>
+              </a:solidFill>
+              <a:effectLst/>
+              <a:latin typeface="Arial" panose="020B0604020202020204" pitchFamily="34" charset="0"/>
+            </a:endParaRPr>
           </a:p>
         </p:txBody>
       </p:sp>
     </p:spTree>
     <p:extLst>
       <p:ext uri="{BB962C8B-B14F-4D97-AF65-F5344CB8AC3E}">
-        <p14:creationId xmlns:p14="http://schemas.microsoft.com/office/powerpoint/2010/main" val="1246653743"/>
+        <p14:creationId xmlns:p14="http://schemas.microsoft.com/office/powerpoint/2010/main" val="2019303080"/>
       </p:ext>
     </p:extLst>
   </p:cSld>
@@ -5213,11 +5691,7 @@
             </a:pPr>
             <a:r>
               <a:rPr lang="de-DE" dirty="0" smtClean="0"/>
-              <a:t>U.a. liegen fo</a:t>
-            </a:r>
-            <a:r>
-              <a:rPr lang="de-DE" dirty="0" smtClean="0"/>
-              <a:t>lgende Regeln der Ausführung zu Grunde</a:t>
+              <a:t>U.a. liegen folgende Regeln der Ausführung zu Grunde</a:t>
             </a:r>
           </a:p>
           <a:p>
@@ -5279,11 +5753,207 @@
             </a:pPr>
             <a:r>
               <a:rPr lang="de-DE" dirty="0" smtClean="0"/>
-              <a:t>Terminierung des Programms im Erfolgsfall mit  Statuscode </a:t>
-            </a:r>
+              <a:t>Terminierung des Programms im Erfolgsfall mit  Statuscode 0</a:t>
+            </a:r>
+          </a:p>
+          <a:p>
+            <a:pPr lvl="1">
+              <a:buFontTx/>
+              <a:buChar char="-"/>
+            </a:pPr>
+            <a:endParaRPr lang="de-DE" dirty="0" smtClean="0"/>
+          </a:p>
+          <a:p>
+            <a:pPr>
+              <a:buFontTx/>
+              <a:buChar char="-"/>
+            </a:pPr>
             <a:r>
               <a:rPr lang="de-DE" dirty="0" smtClean="0"/>
-              <a:t>0</a:t>
+              <a:t>Ausführung erfolgt bei jedem Refresh des Terraform-State</a:t>
+            </a:r>
+          </a:p>
+          <a:p>
+            <a:pPr marL="457200" lvl="1" indent="0">
+              <a:buNone/>
+            </a:pPr>
+            <a:endParaRPr lang="de-DE" dirty="0" smtClean="0"/>
+          </a:p>
+          <a:p>
+            <a:pPr>
+              <a:buFontTx/>
+              <a:buChar char="-"/>
+            </a:pPr>
+            <a:endParaRPr lang="de-DE" dirty="0" smtClean="0"/>
+          </a:p>
+          <a:p>
+            <a:pPr lvl="1">
+              <a:buFontTx/>
+              <a:buChar char="-"/>
+            </a:pPr>
+            <a:endParaRPr lang="de-DE" dirty="0" smtClean="0"/>
+          </a:p>
+        </p:txBody>
+      </p:sp>
+    </p:spTree>
+    <p:extLst>
+      <p:ext uri="{BB962C8B-B14F-4D97-AF65-F5344CB8AC3E}">
+        <p14:creationId xmlns:p14="http://schemas.microsoft.com/office/powerpoint/2010/main" val="1246653743"/>
+      </p:ext>
+    </p:extLst>
+  </p:cSld>
+  <p:clrMapOvr>
+    <a:masterClrMapping/>
+  </p:clrMapOvr>
+  <p:timing>
+    <p:tnLst>
+      <p:par>
+        <p:cTn id="1" dur="indefinite" restart="never" nodeType="tmRoot"/>
+      </p:par>
+    </p:tnLst>
+  </p:timing>
+</p:sld>
+</file>
+
+<file path=ppt/slides/slide5.xml><?xml version="1.0" encoding="utf-8"?>
+<p:sld xmlns:a="http://schemas.openxmlformats.org/drawingml/2006/main" xmlns:r="http://schemas.openxmlformats.org/officeDocument/2006/relationships" xmlns:p="http://schemas.openxmlformats.org/presentationml/2006/main">
+  <p:cSld>
+    <p:spTree>
+      <p:nvGrpSpPr>
+        <p:cNvPr id="1" name=""/>
+        <p:cNvGrpSpPr/>
+        <p:nvPr/>
+      </p:nvGrpSpPr>
+      <p:grpSpPr>
+        <a:xfrm>
+          <a:off x="0" y="0"/>
+          <a:ext cx="0" cy="0"/>
+          <a:chOff x="0" y="0"/>
+          <a:chExt cx="0" cy="0"/>
+        </a:xfrm>
+      </p:grpSpPr>
+      <p:sp>
+        <p:nvSpPr>
+          <p:cNvPr id="2" name="Titel 1"/>
+          <p:cNvSpPr>
+            <a:spLocks noGrp="1"/>
+          </p:cNvSpPr>
+          <p:nvPr>
+            <p:ph type="title"/>
+          </p:nvPr>
+        </p:nvSpPr>
+        <p:spPr/>
+        <p:txBody>
+          <a:bodyPr/>
+          <a:lstStyle/>
+          <a:p>
+            <a:r>
+              <a:rPr lang="de-DE" dirty="0" smtClean="0"/>
+              <a:t>External Data Source</a:t>
+            </a:r>
+            <a:endParaRPr lang="de-DE" dirty="0"/>
+          </a:p>
+        </p:txBody>
+      </p:sp>
+      <p:sp>
+        <p:nvSpPr>
+          <p:cNvPr id="3" name="Inhaltsplatzhalter 2"/>
+          <p:cNvSpPr>
+            <a:spLocks noGrp="1"/>
+          </p:cNvSpPr>
+          <p:nvPr>
+            <p:ph idx="1"/>
+          </p:nvPr>
+        </p:nvSpPr>
+        <p:spPr>
+          <a:xfrm>
+            <a:off x="838200" y="1825625"/>
+            <a:ext cx="10515600" cy="4351338"/>
+          </a:xfrm>
+        </p:spPr>
+        <p:txBody>
+          <a:bodyPr/>
+          <a:lstStyle/>
+          <a:p>
+            <a:pPr>
+              <a:buFontTx/>
+              <a:buChar char="-"/>
+            </a:pPr>
+            <a:r>
+              <a:rPr lang="de-DE" dirty="0" smtClean="0"/>
+              <a:t>Erlaubt die Ausführung von externen Programmen um Daten verfügbar zu machen</a:t>
+            </a:r>
+          </a:p>
+          <a:p>
+            <a:pPr>
+              <a:buFontTx/>
+              <a:buChar char="-"/>
+            </a:pPr>
+            <a:r>
+              <a:rPr lang="de-DE" dirty="0" smtClean="0"/>
+              <a:t>U.a. liegen folgende Regeln der Ausführung zu Grunde</a:t>
+            </a:r>
+          </a:p>
+          <a:p>
+            <a:pPr lvl="1">
+              <a:buFontTx/>
+              <a:buChar char="-"/>
+            </a:pPr>
+            <a:r>
+              <a:rPr lang="de-DE" dirty="0" smtClean="0"/>
+              <a:t>Input wird über das Attribut </a:t>
+            </a:r>
+            <a:r>
+              <a:rPr lang="de-DE" dirty="0" err="1" smtClean="0"/>
+              <a:t>query</a:t>
+            </a:r>
+            <a:r>
+              <a:rPr lang="de-DE" dirty="0" smtClean="0"/>
+              <a:t> als JSON übergeben und vom Programm via </a:t>
+            </a:r>
+            <a:r>
+              <a:rPr lang="de-DE" dirty="0" err="1" smtClean="0"/>
+              <a:t>stdin</a:t>
+            </a:r>
+            <a:r>
+              <a:rPr lang="de-DE" dirty="0" smtClean="0"/>
+              <a:t> eingelesen</a:t>
+            </a:r>
+          </a:p>
+          <a:p>
+            <a:pPr lvl="1">
+              <a:buFontTx/>
+              <a:buChar char="-"/>
+            </a:pPr>
+            <a:r>
+              <a:rPr lang="de-DE" dirty="0" smtClean="0"/>
+              <a:t>Der Output des Programms wird via </a:t>
+            </a:r>
+            <a:r>
+              <a:rPr lang="de-DE" dirty="0" err="1" smtClean="0"/>
+              <a:t>stout</a:t>
+            </a:r>
+            <a:r>
+              <a:rPr lang="de-DE" dirty="0" smtClean="0"/>
+              <a:t> als JSON ausgegeben und kann über das Attribut „</a:t>
+            </a:r>
+            <a:r>
+              <a:rPr lang="de-DE" dirty="0" err="1" smtClean="0"/>
+              <a:t>result</a:t>
+            </a:r>
+            <a:r>
+              <a:rPr lang="de-DE" dirty="0" smtClean="0"/>
+              <a:t>“ der Data-Source zugegriffen werden</a:t>
+            </a:r>
+          </a:p>
+          <a:p>
+            <a:pPr lvl="1">
+              <a:buFontTx/>
+              <a:buChar char="-"/>
+            </a:pPr>
+            <a:r>
+              <a:rPr lang="de-DE" dirty="0" smtClean="0"/>
+              <a:t>Terminierung des Programms im Erfolgsfall mit  Statuscode 0</a:t>
             </a:r>
           </a:p>
           <a:p>
@@ -5345,7 +6015,7 @@
 </p:sld>
 </file>
 
-<file path=ppt/slides/slide5.xml><?xml version="1.0" encoding="utf-8"?>
+<file path=ppt/slides/slide6.xml><?xml version="1.0" encoding="utf-8"?>
 <p:sld xmlns:a="http://schemas.openxmlformats.org/drawingml/2006/main" xmlns:r="http://schemas.openxmlformats.org/officeDocument/2006/relationships" xmlns:p="http://schemas.openxmlformats.org/presentationml/2006/main">
   <p:cSld>
     <p:spTree>
@@ -5911,7 +6581,7 @@
 </p:sld>
 </file>
 
-<file path=ppt/slides/slide6.xml><?xml version="1.0" encoding="utf-8"?>
+<file path=ppt/slides/slide7.xml><?xml version="1.0" encoding="utf-8"?>
 <p:sld xmlns:a="http://schemas.openxmlformats.org/drawingml/2006/main" xmlns:r="http://schemas.openxmlformats.org/officeDocument/2006/relationships" xmlns:p="http://schemas.openxmlformats.org/presentationml/2006/main">
   <p:cSld>
     <p:spTree>
@@ -7787,7 +8457,7 @@
 </p:sld>
 </file>
 
-<file path=ppt/slides/slide7.xml><?xml version="1.0" encoding="utf-8"?>
+<file path=ppt/slides/slide8.xml><?xml version="1.0" encoding="utf-8"?>
 <p:sld xmlns:a="http://schemas.openxmlformats.org/drawingml/2006/main" xmlns:r="http://schemas.openxmlformats.org/officeDocument/2006/relationships" xmlns:p="http://schemas.openxmlformats.org/presentationml/2006/main">
   <p:cSld>
     <p:spTree>
@@ -7857,11 +8527,7 @@
             </a:pPr>
             <a:r>
               <a:rPr lang="de-DE" dirty="0" smtClean="0"/>
-              <a:t>Auswertung einer Data-Source is</a:t>
-            </a:r>
-            <a:r>
-              <a:rPr lang="de-DE" dirty="0" smtClean="0"/>
-              <a:t>t technisch nicht auf die lesende Operation beschränkt</a:t>
+              <a:t>Auswertung einer Data-Source ist technisch nicht auf die lesende Operation beschränkt</a:t>
             </a:r>
           </a:p>
           <a:p>
@@ -7883,7 +8549,6 @@
               <a:rPr lang="de-DE" dirty="0" smtClean="0"/>
               <a:t>, welche ein Zip-File auf der Festplatte erstellt</a:t>
             </a:r>
-            <a:endParaRPr lang="de-DE" dirty="0" smtClean="0"/>
           </a:p>
           <a:p>
             <a:pPr>
